--- a/Tawt to documentation report.pptx
+++ b/Tawt to documentation report.pptx
@@ -127,6 +127,11 @@
       </a:defRPr>
     </a:lvl9pPr>
   </p:defaultTextStyle>
+  <p:extLst>
+    <p:ext uri="{EFAFB233-063F-42B5-8137-9DF3F51BA10A}">
+      <p15:sldGuideLst xmlns:p15="http://schemas.microsoft.com/office/powerpoint/2012/main"/>
+    </p:ext>
+  </p:extLst>
 </p:presentation>
 </file>
 
@@ -279,9 +284,9 @@
           <a:p>
             <a:fld id="{6693AB77-4B35-4775-BBC4-9028424B53C1}" type="datetimeFigureOut">
               <a:rPr lang="en-GB" smtClean="0"/>
-              <a:t>23/09/2019</a:t>
+              <a:t>24/09/2019</a:t>
             </a:fld>
-            <a:endParaRPr lang="en-GB"/>
+            <a:endParaRPr lang="en-GB" dirty="0"/>
           </a:p>
         </p:txBody>
       </p:sp>
@@ -306,7 +311,7 @@
           <a:bodyPr/>
           <a:lstStyle/>
           <a:p>
-            <a:endParaRPr lang="en-GB"/>
+            <a:endParaRPr lang="en-GB" dirty="0"/>
           </a:p>
         </p:txBody>
       </p:sp>
@@ -335,7 +340,7 @@
               <a:rPr lang="en-GB" smtClean="0"/>
               <a:t>‹#›</a:t>
             </a:fld>
-            <a:endParaRPr lang="en-GB"/>
+            <a:endParaRPr lang="en-GB" dirty="0"/>
           </a:p>
         </p:txBody>
       </p:sp>
@@ -479,9 +484,9 @@
           <a:p>
             <a:fld id="{6693AB77-4B35-4775-BBC4-9028424B53C1}" type="datetimeFigureOut">
               <a:rPr lang="en-GB" smtClean="0"/>
-              <a:t>23/09/2019</a:t>
+              <a:t>24/09/2019</a:t>
             </a:fld>
-            <a:endParaRPr lang="en-GB"/>
+            <a:endParaRPr lang="en-GB" dirty="0"/>
           </a:p>
         </p:txBody>
       </p:sp>
@@ -506,7 +511,7 @@
           <a:bodyPr/>
           <a:lstStyle/>
           <a:p>
-            <a:endParaRPr lang="en-GB"/>
+            <a:endParaRPr lang="en-GB" dirty="0"/>
           </a:p>
         </p:txBody>
       </p:sp>
@@ -535,7 +540,7 @@
               <a:rPr lang="en-GB" smtClean="0"/>
               <a:t>‹#›</a:t>
             </a:fld>
-            <a:endParaRPr lang="en-GB"/>
+            <a:endParaRPr lang="en-GB" dirty="0"/>
           </a:p>
         </p:txBody>
       </p:sp>
@@ -689,9 +694,9 @@
           <a:p>
             <a:fld id="{6693AB77-4B35-4775-BBC4-9028424B53C1}" type="datetimeFigureOut">
               <a:rPr lang="en-GB" smtClean="0"/>
-              <a:t>23/09/2019</a:t>
+              <a:t>24/09/2019</a:t>
             </a:fld>
-            <a:endParaRPr lang="en-GB"/>
+            <a:endParaRPr lang="en-GB" dirty="0"/>
           </a:p>
         </p:txBody>
       </p:sp>
@@ -716,7 +721,7 @@
           <a:bodyPr/>
           <a:lstStyle/>
           <a:p>
-            <a:endParaRPr lang="en-GB"/>
+            <a:endParaRPr lang="en-GB" dirty="0"/>
           </a:p>
         </p:txBody>
       </p:sp>
@@ -745,7 +750,7 @@
               <a:rPr lang="en-GB" smtClean="0"/>
               <a:t>‹#›</a:t>
             </a:fld>
-            <a:endParaRPr lang="en-GB"/>
+            <a:endParaRPr lang="en-GB" dirty="0"/>
           </a:p>
         </p:txBody>
       </p:sp>
@@ -889,9 +894,9 @@
           <a:p>
             <a:fld id="{6693AB77-4B35-4775-BBC4-9028424B53C1}" type="datetimeFigureOut">
               <a:rPr lang="en-GB" smtClean="0"/>
-              <a:t>23/09/2019</a:t>
+              <a:t>24/09/2019</a:t>
             </a:fld>
-            <a:endParaRPr lang="en-GB"/>
+            <a:endParaRPr lang="en-GB" dirty="0"/>
           </a:p>
         </p:txBody>
       </p:sp>
@@ -916,7 +921,7 @@
           <a:bodyPr/>
           <a:lstStyle/>
           <a:p>
-            <a:endParaRPr lang="en-GB"/>
+            <a:endParaRPr lang="en-GB" dirty="0"/>
           </a:p>
         </p:txBody>
       </p:sp>
@@ -945,7 +950,7 @@
               <a:rPr lang="en-GB" smtClean="0"/>
               <a:t>‹#›</a:t>
             </a:fld>
-            <a:endParaRPr lang="en-GB"/>
+            <a:endParaRPr lang="en-GB" dirty="0"/>
           </a:p>
         </p:txBody>
       </p:sp>
@@ -1165,9 +1170,9 @@
           <a:p>
             <a:fld id="{6693AB77-4B35-4775-BBC4-9028424B53C1}" type="datetimeFigureOut">
               <a:rPr lang="en-GB" smtClean="0"/>
-              <a:t>23/09/2019</a:t>
+              <a:t>24/09/2019</a:t>
             </a:fld>
-            <a:endParaRPr lang="en-GB"/>
+            <a:endParaRPr lang="en-GB" dirty="0"/>
           </a:p>
         </p:txBody>
       </p:sp>
@@ -1192,7 +1197,7 @@
           <a:bodyPr/>
           <a:lstStyle/>
           <a:p>
-            <a:endParaRPr lang="en-GB"/>
+            <a:endParaRPr lang="en-GB" dirty="0"/>
           </a:p>
         </p:txBody>
       </p:sp>
@@ -1221,7 +1226,7 @@
               <a:rPr lang="en-GB" smtClean="0"/>
               <a:t>‹#›</a:t>
             </a:fld>
-            <a:endParaRPr lang="en-GB"/>
+            <a:endParaRPr lang="en-GB" dirty="0"/>
           </a:p>
         </p:txBody>
       </p:sp>
@@ -1433,9 +1438,9 @@
           <a:p>
             <a:fld id="{6693AB77-4B35-4775-BBC4-9028424B53C1}" type="datetimeFigureOut">
               <a:rPr lang="en-GB" smtClean="0"/>
-              <a:t>23/09/2019</a:t>
+              <a:t>24/09/2019</a:t>
             </a:fld>
-            <a:endParaRPr lang="en-GB"/>
+            <a:endParaRPr lang="en-GB" dirty="0"/>
           </a:p>
         </p:txBody>
       </p:sp>
@@ -1460,7 +1465,7 @@
           <a:bodyPr/>
           <a:lstStyle/>
           <a:p>
-            <a:endParaRPr lang="en-GB"/>
+            <a:endParaRPr lang="en-GB" dirty="0"/>
           </a:p>
         </p:txBody>
       </p:sp>
@@ -1489,7 +1494,7 @@
               <a:rPr lang="en-GB" smtClean="0"/>
               <a:t>‹#›</a:t>
             </a:fld>
-            <a:endParaRPr lang="en-GB"/>
+            <a:endParaRPr lang="en-GB" dirty="0"/>
           </a:p>
         </p:txBody>
       </p:sp>
@@ -1848,9 +1853,9 @@
           <a:p>
             <a:fld id="{6693AB77-4B35-4775-BBC4-9028424B53C1}" type="datetimeFigureOut">
               <a:rPr lang="en-GB" smtClean="0"/>
-              <a:t>23/09/2019</a:t>
+              <a:t>24/09/2019</a:t>
             </a:fld>
-            <a:endParaRPr lang="en-GB"/>
+            <a:endParaRPr lang="en-GB" dirty="0"/>
           </a:p>
         </p:txBody>
       </p:sp>
@@ -1875,7 +1880,7 @@
           <a:bodyPr/>
           <a:lstStyle/>
           <a:p>
-            <a:endParaRPr lang="en-GB"/>
+            <a:endParaRPr lang="en-GB" dirty="0"/>
           </a:p>
         </p:txBody>
       </p:sp>
@@ -1904,7 +1909,7 @@
               <a:rPr lang="en-GB" smtClean="0"/>
               <a:t>‹#›</a:t>
             </a:fld>
-            <a:endParaRPr lang="en-GB"/>
+            <a:endParaRPr lang="en-GB" dirty="0"/>
           </a:p>
         </p:txBody>
       </p:sp>
@@ -1990,9 +1995,9 @@
           <a:p>
             <a:fld id="{6693AB77-4B35-4775-BBC4-9028424B53C1}" type="datetimeFigureOut">
               <a:rPr lang="en-GB" smtClean="0"/>
-              <a:t>23/09/2019</a:t>
+              <a:t>24/09/2019</a:t>
             </a:fld>
-            <a:endParaRPr lang="en-GB"/>
+            <a:endParaRPr lang="en-GB" dirty="0"/>
           </a:p>
         </p:txBody>
       </p:sp>
@@ -2017,7 +2022,7 @@
           <a:bodyPr/>
           <a:lstStyle/>
           <a:p>
-            <a:endParaRPr lang="en-GB"/>
+            <a:endParaRPr lang="en-GB" dirty="0"/>
           </a:p>
         </p:txBody>
       </p:sp>
@@ -2046,7 +2051,7 @@
               <a:rPr lang="en-GB" smtClean="0"/>
               <a:t>‹#›</a:t>
             </a:fld>
-            <a:endParaRPr lang="en-GB"/>
+            <a:endParaRPr lang="en-GB" dirty="0"/>
           </a:p>
         </p:txBody>
       </p:sp>
@@ -2103,9 +2108,9 @@
           <a:p>
             <a:fld id="{6693AB77-4B35-4775-BBC4-9028424B53C1}" type="datetimeFigureOut">
               <a:rPr lang="en-GB" smtClean="0"/>
-              <a:t>23/09/2019</a:t>
+              <a:t>24/09/2019</a:t>
             </a:fld>
-            <a:endParaRPr lang="en-GB"/>
+            <a:endParaRPr lang="en-GB" dirty="0"/>
           </a:p>
         </p:txBody>
       </p:sp>
@@ -2130,7 +2135,7 @@
           <a:bodyPr/>
           <a:lstStyle/>
           <a:p>
-            <a:endParaRPr lang="en-GB"/>
+            <a:endParaRPr lang="en-GB" dirty="0"/>
           </a:p>
         </p:txBody>
       </p:sp>
@@ -2159,7 +2164,7 @@
               <a:rPr lang="en-GB" smtClean="0"/>
               <a:t>‹#›</a:t>
             </a:fld>
-            <a:endParaRPr lang="en-GB"/>
+            <a:endParaRPr lang="en-GB" dirty="0"/>
           </a:p>
         </p:txBody>
       </p:sp>
@@ -2416,9 +2421,9 @@
           <a:p>
             <a:fld id="{6693AB77-4B35-4775-BBC4-9028424B53C1}" type="datetimeFigureOut">
               <a:rPr lang="en-GB" smtClean="0"/>
-              <a:t>23/09/2019</a:t>
+              <a:t>24/09/2019</a:t>
             </a:fld>
-            <a:endParaRPr lang="en-GB"/>
+            <a:endParaRPr lang="en-GB" dirty="0"/>
           </a:p>
         </p:txBody>
       </p:sp>
@@ -2443,7 +2448,7 @@
           <a:bodyPr/>
           <a:lstStyle/>
           <a:p>
-            <a:endParaRPr lang="en-GB"/>
+            <a:endParaRPr lang="en-GB" dirty="0"/>
           </a:p>
         </p:txBody>
       </p:sp>
@@ -2472,7 +2477,7 @@
               <a:rPr lang="en-GB" smtClean="0"/>
               <a:t>‹#›</a:t>
             </a:fld>
-            <a:endParaRPr lang="en-GB"/>
+            <a:endParaRPr lang="en-GB" dirty="0"/>
           </a:p>
         </p:txBody>
       </p:sp>
@@ -2607,7 +2612,7 @@
             </a:lvl9pPr>
           </a:lstStyle>
           <a:p>
-            <a:endParaRPr lang="en-GB"/>
+            <a:endParaRPr lang="en-GB" dirty="0"/>
           </a:p>
         </p:txBody>
       </p:sp>
@@ -2705,9 +2710,9 @@
           <a:p>
             <a:fld id="{6693AB77-4B35-4775-BBC4-9028424B53C1}" type="datetimeFigureOut">
               <a:rPr lang="en-GB" smtClean="0"/>
-              <a:t>23/09/2019</a:t>
+              <a:t>24/09/2019</a:t>
             </a:fld>
-            <a:endParaRPr lang="en-GB"/>
+            <a:endParaRPr lang="en-GB" dirty="0"/>
           </a:p>
         </p:txBody>
       </p:sp>
@@ -2732,7 +2737,7 @@
           <a:bodyPr/>
           <a:lstStyle/>
           <a:p>
-            <a:endParaRPr lang="en-GB"/>
+            <a:endParaRPr lang="en-GB" dirty="0"/>
           </a:p>
         </p:txBody>
       </p:sp>
@@ -2761,7 +2766,7 @@
               <a:rPr lang="en-GB" smtClean="0"/>
               <a:t>‹#›</a:t>
             </a:fld>
-            <a:endParaRPr lang="en-GB"/>
+            <a:endParaRPr lang="en-GB" dirty="0"/>
           </a:p>
         </p:txBody>
       </p:sp>
@@ -2948,9 +2953,9 @@
           <a:p>
             <a:fld id="{6693AB77-4B35-4775-BBC4-9028424B53C1}" type="datetimeFigureOut">
               <a:rPr lang="en-GB" smtClean="0"/>
-              <a:t>23/09/2019</a:t>
+              <a:t>24/09/2019</a:t>
             </a:fld>
-            <a:endParaRPr lang="en-GB"/>
+            <a:endParaRPr lang="en-GB" dirty="0"/>
           </a:p>
         </p:txBody>
       </p:sp>
@@ -2993,7 +2998,7 @@
             </a:lvl1pPr>
           </a:lstStyle>
           <a:p>
-            <a:endParaRPr lang="en-GB"/>
+            <a:endParaRPr lang="en-GB" dirty="0"/>
           </a:p>
         </p:txBody>
       </p:sp>
@@ -3040,7 +3045,7 @@
               <a:rPr lang="en-GB" smtClean="0"/>
               <a:t>‹#›</a:t>
             </a:fld>
-            <a:endParaRPr lang="en-GB"/>
+            <a:endParaRPr lang="en-GB" dirty="0"/>
           </a:p>
         </p:txBody>
       </p:sp>
@@ -3436,8 +3441,13 @@
             </a:pPr>
             <a:r>
               <a:rPr lang="en-US" sz="2000" dirty="0"/>
-              <a:t>Tawk.to is a live chat support &amp; messaging application that focuses on  successful communication between  businesses and their customers. </a:t>
-            </a:r>
+              <a:t>Tawk.to is a live chat support &amp; messaging application that focuses on  successful communication between  businesses and </a:t>
+            </a:r>
+            <a:r>
+              <a:rPr lang="en-US" sz="2000"/>
+              <a:t>their clients. </a:t>
+            </a:r>
+            <a:endParaRPr lang="en-US" sz="2000" dirty="0"/>
           </a:p>
           <a:p>
             <a:pPr marL="342900" indent="-342900" algn="l">
@@ -3660,15 +3670,7 @@
             <a:pPr fontAlgn="base"/>
             <a:r>
               <a:rPr lang="en-US" sz="2000" dirty="0"/>
-              <a:t>Agents can create and use Shortcuts (canned responses) to answer common questions by simply typing / followed by a keyword. </a:t>
-            </a:r>
-            <a:r>
-              <a:rPr lang="en-US" sz="2000" dirty="0" err="1"/>
-              <a:t>E.g</a:t>
-            </a:r>
-            <a:r>
-              <a:rPr lang="en-US" sz="2000" dirty="0"/>
-              <a:t> an agent could type /hello to quickly send the visitor the text: “Hello how can we help you today?”</a:t>
+              <a:t>Agents can create and use Shortcuts (canned responses) to answer common questions by simply typing / followed by a keyword. E.g. an agent could type /hello to quickly send the visitor the text: “Hello how can we help you today?”</a:t>
             </a:r>
           </a:p>
           <a:p>
@@ -7898,7 +7900,7 @@
           </a:bodyPr>
           <a:lstStyle/>
           <a:p>
-            <a:endParaRPr lang="en-GB"/>
+            <a:endParaRPr lang="en-GB" dirty="0"/>
           </a:p>
         </p:txBody>
       </p:sp>

--- a/Tawt to documentation report.pptx
+++ b/Tawt to documentation report.pptx
@@ -3441,13 +3441,8 @@
             </a:pPr>
             <a:r>
               <a:rPr lang="en-US" sz="2000" dirty="0"/>
-              <a:t>Tawk.to is a live chat support &amp; messaging application that focuses on  successful communication between  businesses and </a:t>
-            </a:r>
-            <a:r>
-              <a:rPr lang="en-US" sz="2000"/>
-              <a:t>their clients. </a:t>
-            </a:r>
-            <a:endParaRPr lang="en-US" sz="2000" dirty="0"/>
+              <a:t>Tawk.to is a live chat support &amp; messaging application that focuses on  successful communication between  businesses and their clients. </a:t>
+            </a:r>
           </a:p>
           <a:p>
             <a:pPr marL="342900" indent="-342900" algn="l">
@@ -3466,7 +3461,7 @@
             </a:pPr>
             <a:r>
               <a:rPr lang="en-US" sz="2000" dirty="0"/>
-              <a:t>Aside from its live chat service, Tawk.to offers a whole lot of other features like full customization of the chat window, start lively chats with potential clients, eagerly engage with visitors using triggers, quickly send replies with shortcuts to help agents and businesses become a hit with valued customers.</a:t>
+              <a:t>Aside from its live chat service, Tawk.to offers a whole lot of other features like full customization of the chat window, starting lively chats with potential clients, eagerly engaging with visitors using triggers, quickly sending replies with shortcuts to help agents and businesses become a hit with their valued customers.</a:t>
             </a:r>
           </a:p>
           <a:p>

--- a/Tawt to documentation report.pptx
+++ b/Tawt to documentation report.pptx
@@ -14,21 +14,20 @@
     <p:sldId id="263" r:id="rId8"/>
     <p:sldId id="264" r:id="rId9"/>
     <p:sldId id="265" r:id="rId10"/>
-    <p:sldId id="266" r:id="rId11"/>
-    <p:sldId id="267" r:id="rId12"/>
-    <p:sldId id="268" r:id="rId13"/>
-    <p:sldId id="269" r:id="rId14"/>
-    <p:sldId id="270" r:id="rId15"/>
-    <p:sldId id="271" r:id="rId16"/>
-    <p:sldId id="272" r:id="rId17"/>
-    <p:sldId id="273" r:id="rId18"/>
-    <p:sldId id="274" r:id="rId19"/>
-    <p:sldId id="275" r:id="rId20"/>
-    <p:sldId id="276" r:id="rId21"/>
-    <p:sldId id="277" r:id="rId22"/>
-    <p:sldId id="278" r:id="rId23"/>
-    <p:sldId id="279" r:id="rId24"/>
-    <p:sldId id="280" r:id="rId25"/>
+    <p:sldId id="267" r:id="rId11"/>
+    <p:sldId id="268" r:id="rId12"/>
+    <p:sldId id="269" r:id="rId13"/>
+    <p:sldId id="270" r:id="rId14"/>
+    <p:sldId id="271" r:id="rId15"/>
+    <p:sldId id="272" r:id="rId16"/>
+    <p:sldId id="273" r:id="rId17"/>
+    <p:sldId id="274" r:id="rId18"/>
+    <p:sldId id="275" r:id="rId19"/>
+    <p:sldId id="276" r:id="rId20"/>
+    <p:sldId id="277" r:id="rId21"/>
+    <p:sldId id="278" r:id="rId22"/>
+    <p:sldId id="279" r:id="rId23"/>
+    <p:sldId id="280" r:id="rId24"/>
   </p:sldIdLst>
   <p:sldSz cx="12192000" cy="6858000"/>
   <p:notesSz cx="6858000" cy="9144000"/>
@@ -3533,131 +3532,6 @@
             </a:pPr>
             <a:r>
               <a:rPr lang="en-GB" sz="2000" u="sng" dirty="0"/>
-              <a:t>Using Messaging and Ticketing</a:t>
-            </a:r>
-          </a:p>
-          <a:p>
-            <a:pPr fontAlgn="base"/>
-            <a:endParaRPr lang="en-GB" sz="2000" u="sng" dirty="0"/>
-          </a:p>
-        </p:txBody>
-      </p:sp>
-      <p:sp>
-        <p:nvSpPr>
-          <p:cNvPr id="7" name="Title 1">
-            <a:extLst>
-              <a:ext uri="{FF2B5EF4-FFF2-40B4-BE49-F238E27FC236}">
-                <a16:creationId xmlns:a16="http://schemas.microsoft.com/office/drawing/2014/main" id="{E4832365-9152-4425-A6AF-DEF6486092C4}"/>
-              </a:ext>
-            </a:extLst>
-          </p:cNvPr>
-          <p:cNvSpPr txBox="1">
-            <a:spLocks/>
-          </p:cNvSpPr>
-          <p:nvPr/>
-        </p:nvSpPr>
-        <p:spPr>
-          <a:xfrm>
-            <a:off x="0" y="0"/>
-            <a:ext cx="12192000" cy="553792"/>
-          </a:xfrm>
-          <a:prstGeom prst="rect">
-            <a:avLst/>
-          </a:prstGeom>
-        </p:spPr>
-        <p:txBody>
-          <a:bodyPr vert="horz" lIns="91440" tIns="45720" rIns="91440" bIns="45720" rtlCol="0" anchor="ctr">
-            <a:normAutofit/>
-          </a:bodyPr>
-          <a:lstStyle>
-            <a:lvl1pPr algn="l" defTabSz="914400" rtl="0" eaLnBrk="1" latinLnBrk="0" hangingPunct="1">
-              <a:lnSpc>
-                <a:spcPct val="90000"/>
-              </a:lnSpc>
-              <a:spcBef>
-                <a:spcPct val="0"/>
-              </a:spcBef>
-              <a:buNone/>
-              <a:defRPr sz="4400" kern="1200">
-                <a:solidFill>
-                  <a:schemeClr val="tx1"/>
-                </a:solidFill>
-                <a:latin typeface="+mj-lt"/>
-                <a:ea typeface="+mj-ea"/>
-                <a:cs typeface="+mj-cs"/>
-              </a:defRPr>
-            </a:lvl1pPr>
-          </a:lstStyle>
-          <a:p>
-            <a:r>
-              <a:rPr lang="en-US" sz="3200" dirty="0"/>
-              <a:t>Using the Dashboard cont…</a:t>
-            </a:r>
-            <a:endParaRPr lang="en-GB" sz="3200" dirty="0"/>
-          </a:p>
-        </p:txBody>
-      </p:sp>
-    </p:spTree>
-    <p:extLst>
-      <p:ext uri="{BB962C8B-B14F-4D97-AF65-F5344CB8AC3E}">
-        <p14:creationId xmlns:p14="http://schemas.microsoft.com/office/powerpoint/2010/main" val="2840967947"/>
-      </p:ext>
-    </p:extLst>
-  </p:cSld>
-  <p:clrMapOvr>
-    <a:masterClrMapping/>
-  </p:clrMapOvr>
-</p:sld>
-</file>
-
-<file path=ppt/slides/slide11.xml><?xml version="1.0" encoding="utf-8"?>
-<p:sld xmlns:a="http://schemas.openxmlformats.org/drawingml/2006/main" xmlns:r="http://schemas.openxmlformats.org/officeDocument/2006/relationships" xmlns:p="http://schemas.openxmlformats.org/presentationml/2006/main">
-  <p:cSld>
-    <p:spTree>
-      <p:nvGrpSpPr>
-        <p:cNvPr id="1" name=""/>
-        <p:cNvGrpSpPr/>
-        <p:nvPr/>
-      </p:nvGrpSpPr>
-      <p:grpSpPr>
-        <a:xfrm>
-          <a:off x="0" y="0"/>
-          <a:ext cx="0" cy="0"/>
-          <a:chOff x="0" y="0"/>
-          <a:chExt cx="0" cy="0"/>
-        </a:xfrm>
-      </p:grpSpPr>
-      <p:sp>
-        <p:nvSpPr>
-          <p:cNvPr id="4" name="Content Placeholder 3">
-            <a:extLst>
-              <a:ext uri="{FF2B5EF4-FFF2-40B4-BE49-F238E27FC236}">
-                <a16:creationId xmlns:a16="http://schemas.microsoft.com/office/drawing/2014/main" id="{FC8BE57A-40E4-49FF-8D18-B4616C7D876B}"/>
-              </a:ext>
-            </a:extLst>
-          </p:cNvPr>
-          <p:cNvSpPr>
-            <a:spLocks noGrp="1"/>
-          </p:cNvSpPr>
-          <p:nvPr>
-            <p:ph idx="1"/>
-          </p:nvPr>
-        </p:nvSpPr>
-        <p:spPr>
-          <a:xfrm>
-            <a:off x="-11514" y="524474"/>
-            <a:ext cx="12091897" cy="6333526"/>
-          </a:xfrm>
-        </p:spPr>
-        <p:txBody>
-          <a:bodyPr/>
-          <a:lstStyle/>
-          <a:p>
-            <a:pPr marL="0" indent="0" fontAlgn="base">
-              <a:buNone/>
-            </a:pPr>
-            <a:r>
-              <a:rPr lang="en-GB" sz="2000" u="sng" dirty="0"/>
               <a:t>Creating and managing shortcuts</a:t>
             </a:r>
           </a:p>
@@ -3824,7 +3698,7 @@
 </p:sld>
 </file>
 
-<file path=ppt/slides/slide12.xml><?xml version="1.0" encoding="utf-8"?>
+<file path=ppt/slides/slide11.xml><?xml version="1.0" encoding="utf-8"?>
 <p:sld xmlns:a="http://schemas.openxmlformats.org/drawingml/2006/main" xmlns:r="http://schemas.openxmlformats.org/officeDocument/2006/relationships" xmlns:p="http://schemas.openxmlformats.org/presentationml/2006/main">
   <p:cSld>
     <p:spTree>
@@ -4067,7 +3941,7 @@
 </p:sld>
 </file>
 
-<file path=ppt/slides/slide13.xml><?xml version="1.0" encoding="utf-8"?>
+<file path=ppt/slides/slide12.xml><?xml version="1.0" encoding="utf-8"?>
 <p:sld xmlns:a="http://schemas.openxmlformats.org/drawingml/2006/main" xmlns:r="http://schemas.openxmlformats.org/officeDocument/2006/relationships" xmlns:p="http://schemas.openxmlformats.org/presentationml/2006/main">
   <p:cSld>
     <p:spTree>
@@ -4239,7 +4113,7 @@
 </p:sld>
 </file>
 
-<file path=ppt/slides/slide14.xml><?xml version="1.0" encoding="utf-8"?>
+<file path=ppt/slides/slide13.xml><?xml version="1.0" encoding="utf-8"?>
 <p:sld xmlns:a="http://schemas.openxmlformats.org/drawingml/2006/main" xmlns:r="http://schemas.openxmlformats.org/officeDocument/2006/relationships" xmlns:p="http://schemas.openxmlformats.org/presentationml/2006/main">
   <p:cSld>
     <p:spTree>
@@ -4413,7 +4287,7 @@
 </p:sld>
 </file>
 
-<file path=ppt/slides/slide15.xml><?xml version="1.0" encoding="utf-8"?>
+<file path=ppt/slides/slide14.xml><?xml version="1.0" encoding="utf-8"?>
 <p:sld xmlns:a="http://schemas.openxmlformats.org/drawingml/2006/main" xmlns:r="http://schemas.openxmlformats.org/officeDocument/2006/relationships" xmlns:p="http://schemas.openxmlformats.org/presentationml/2006/main">
   <p:cSld>
     <p:spTree>
@@ -4650,7 +4524,7 @@
 </p:sld>
 </file>
 
-<file path=ppt/slides/slide16.xml><?xml version="1.0" encoding="utf-8"?>
+<file path=ppt/slides/slide15.xml><?xml version="1.0" encoding="utf-8"?>
 <p:sld xmlns:a="http://schemas.openxmlformats.org/drawingml/2006/main" xmlns:r="http://schemas.openxmlformats.org/officeDocument/2006/relationships" xmlns:p="http://schemas.openxmlformats.org/presentationml/2006/main" show="0">
   <p:cSld>
     <p:spTree>
@@ -4793,7 +4667,7 @@
 </p:sld>
 </file>
 
-<file path=ppt/slides/slide17.xml><?xml version="1.0" encoding="utf-8"?>
+<file path=ppt/slides/slide16.xml><?xml version="1.0" encoding="utf-8"?>
 <p:sld xmlns:a="http://schemas.openxmlformats.org/drawingml/2006/main" xmlns:r="http://schemas.openxmlformats.org/officeDocument/2006/relationships" xmlns:p="http://schemas.openxmlformats.org/presentationml/2006/main">
   <p:cSld>
     <p:spTree>
@@ -5005,7 +4879,7 @@
 </p:sld>
 </file>
 
-<file path=ppt/slides/slide18.xml><?xml version="1.0" encoding="utf-8"?>
+<file path=ppt/slides/slide17.xml><?xml version="1.0" encoding="utf-8"?>
 <p:sld xmlns:a="http://schemas.openxmlformats.org/drawingml/2006/main" xmlns:r="http://schemas.openxmlformats.org/officeDocument/2006/relationships" xmlns:p="http://schemas.openxmlformats.org/presentationml/2006/main">
   <p:cSld>
     <p:spTree>
@@ -5311,7 +5185,7 @@
 </p:sld>
 </file>
 
-<file path=ppt/slides/slide19.xml><?xml version="1.0" encoding="utf-8"?>
+<file path=ppt/slides/slide18.xml><?xml version="1.0" encoding="utf-8"?>
 <p:sld xmlns:a="http://schemas.openxmlformats.org/drawingml/2006/main" xmlns:r="http://schemas.openxmlformats.org/officeDocument/2006/relationships" xmlns:p="http://schemas.openxmlformats.org/presentationml/2006/main">
   <p:cSld>
     <p:spTree>
@@ -5626,184 +5500,7 @@
 </p:sld>
 </file>
 
-<file path=ppt/slides/slide2.xml><?xml version="1.0" encoding="utf-8"?>
-<p:sld xmlns:a="http://schemas.openxmlformats.org/drawingml/2006/main" xmlns:r="http://schemas.openxmlformats.org/officeDocument/2006/relationships" xmlns:p="http://schemas.openxmlformats.org/presentationml/2006/main">
-  <p:cSld>
-    <p:spTree>
-      <p:nvGrpSpPr>
-        <p:cNvPr id="1" name=""/>
-        <p:cNvGrpSpPr/>
-        <p:nvPr/>
-      </p:nvGrpSpPr>
-      <p:grpSpPr>
-        <a:xfrm>
-          <a:off x="0" y="0"/>
-          <a:ext cx="0" cy="0"/>
-          <a:chOff x="0" y="0"/>
-          <a:chExt cx="0" cy="0"/>
-        </a:xfrm>
-      </p:grpSpPr>
-      <p:sp>
-        <p:nvSpPr>
-          <p:cNvPr id="2" name="Title 1">
-            <a:extLst>
-              <a:ext uri="{FF2B5EF4-FFF2-40B4-BE49-F238E27FC236}">
-                <a16:creationId xmlns:a16="http://schemas.microsoft.com/office/drawing/2014/main" id="{3CDB0EB6-4913-4DD3-BB7A-847631DCBBA8}"/>
-              </a:ext>
-            </a:extLst>
-          </p:cNvPr>
-          <p:cNvSpPr>
-            <a:spLocks noGrp="1"/>
-          </p:cNvSpPr>
-          <p:nvPr>
-            <p:ph type="ctrTitle"/>
-          </p:nvPr>
-        </p:nvSpPr>
-        <p:spPr>
-          <a:xfrm>
-            <a:off x="0" y="0"/>
-            <a:ext cx="12192000" cy="553792"/>
-          </a:xfrm>
-        </p:spPr>
-        <p:txBody>
-          <a:bodyPr>
-            <a:normAutofit/>
-          </a:bodyPr>
-          <a:lstStyle/>
-          <a:p>
-            <a:pPr algn="l"/>
-            <a:r>
-              <a:rPr lang="en-US" sz="3200" dirty="0"/>
-              <a:t>Getting Started</a:t>
-            </a:r>
-            <a:endParaRPr lang="en-GB" sz="3200" dirty="0"/>
-          </a:p>
-        </p:txBody>
-      </p:sp>
-      <p:sp>
-        <p:nvSpPr>
-          <p:cNvPr id="3" name="Subtitle 2">
-            <a:extLst>
-              <a:ext uri="{FF2B5EF4-FFF2-40B4-BE49-F238E27FC236}">
-                <a16:creationId xmlns:a16="http://schemas.microsoft.com/office/drawing/2014/main" id="{E6F6E5A2-F201-4660-BB14-9DA3658CAD1F}"/>
-              </a:ext>
-            </a:extLst>
-          </p:cNvPr>
-          <p:cNvSpPr>
-            <a:spLocks noGrp="1"/>
-          </p:cNvSpPr>
-          <p:nvPr>
-            <p:ph type="subTitle" idx="1"/>
-          </p:nvPr>
-        </p:nvSpPr>
-        <p:spPr>
-          <a:xfrm>
-            <a:off x="0" y="553793"/>
-            <a:ext cx="12192000" cy="6130342"/>
-          </a:xfrm>
-        </p:spPr>
-        <p:txBody>
-          <a:bodyPr>
-            <a:normAutofit/>
-          </a:bodyPr>
-          <a:lstStyle/>
-          <a:p>
-            <a:pPr algn="l"/>
-            <a:r>
-              <a:rPr lang="en-US" u="sng" dirty="0"/>
-              <a:t>Account Creation</a:t>
-            </a:r>
-          </a:p>
-          <a:p>
-            <a:pPr marL="342900" indent="-342900" algn="l">
-              <a:buFont typeface="Arial" panose="020B0604020202020204" pitchFamily="34" charset="0"/>
-              <a:buChar char="•"/>
-            </a:pPr>
-            <a:r>
-              <a:rPr lang="en-US" sz="2000" dirty="0"/>
-              <a:t>Administrators will be pre-registered by the developers on the platform after which they will invite their desired agents to manage the site dashboard.</a:t>
-            </a:r>
-          </a:p>
-          <a:p>
-            <a:pPr marL="342900" indent="-342900" algn="l">
-              <a:buFont typeface="Arial" panose="020B0604020202020204" pitchFamily="34" charset="0"/>
-              <a:buChar char="•"/>
-            </a:pPr>
-            <a:r>
-              <a:rPr lang="en-US" sz="2000" dirty="0"/>
-              <a:t>tawk.to is an Agent Centric chat application, which means every agent has their own account and can share </a:t>
-            </a:r>
-            <a:r>
-              <a:rPr lang="en-US" sz="2000" b="1" dirty="0"/>
-              <a:t>Properties</a:t>
-            </a:r>
-            <a:r>
-              <a:rPr lang="en-US" sz="2000" dirty="0"/>
-              <a:t>.</a:t>
-            </a:r>
-          </a:p>
-          <a:p>
-            <a:pPr marL="342900" indent="-342900" algn="l">
-              <a:buFont typeface="Arial" panose="020B0604020202020204" pitchFamily="34" charset="0"/>
-              <a:buChar char="•"/>
-            </a:pPr>
-            <a:r>
-              <a:rPr lang="en-US" sz="2000" dirty="0"/>
-              <a:t>Currently there are two properties: </a:t>
-            </a:r>
-            <a:r>
-              <a:rPr lang="en-US" sz="2000" b="1" dirty="0"/>
-              <a:t>sites</a:t>
-            </a:r>
-            <a:r>
-              <a:rPr lang="en-US" sz="2000" dirty="0"/>
-              <a:t> and </a:t>
-            </a:r>
-            <a:r>
-              <a:rPr lang="en-US" sz="2000" b="1" dirty="0"/>
-              <a:t>pages.</a:t>
-            </a:r>
-          </a:p>
-          <a:p>
-            <a:pPr marL="800100" lvl="1" indent="-342900" algn="l">
-              <a:buFont typeface="Arial" panose="020B0604020202020204" pitchFamily="34" charset="0"/>
-              <a:buChar char="•"/>
-            </a:pPr>
-            <a:r>
-              <a:rPr lang="en-US" sz="1600" dirty="0"/>
-              <a:t>Sites – refer to websites where the chat widget is embedded</a:t>
-            </a:r>
-          </a:p>
-          <a:p>
-            <a:pPr marL="800100" lvl="1" indent="-342900" algn="l">
-              <a:buFont typeface="Arial" panose="020B0604020202020204" pitchFamily="34" charset="0"/>
-              <a:buChar char="•"/>
-            </a:pPr>
-            <a:r>
-              <a:rPr lang="en-US" sz="1600" dirty="0"/>
-              <a:t>Pages – refer to the tawk.to hosted pages e.g. https://apainsurance.org/commercial.php</a:t>
-            </a:r>
-          </a:p>
-          <a:p>
-            <a:pPr algn="l"/>
-            <a:endParaRPr lang="en-US" sz="2000" dirty="0"/>
-          </a:p>
-        </p:txBody>
-      </p:sp>
-    </p:spTree>
-    <p:extLst>
-      <p:ext uri="{BB962C8B-B14F-4D97-AF65-F5344CB8AC3E}">
-        <p14:creationId xmlns:p14="http://schemas.microsoft.com/office/powerpoint/2010/main" val="1052406901"/>
-      </p:ext>
-    </p:extLst>
-  </p:cSld>
-  <p:clrMapOvr>
-    <a:masterClrMapping/>
-  </p:clrMapOvr>
-</p:sld>
-</file>
-
-<file path=ppt/slides/slide20.xml><?xml version="1.0" encoding="utf-8"?>
+<file path=ppt/slides/slide19.xml><?xml version="1.0" encoding="utf-8"?>
 <p:sld xmlns:a="http://schemas.openxmlformats.org/drawingml/2006/main" xmlns:r="http://schemas.openxmlformats.org/officeDocument/2006/relationships" xmlns:p="http://schemas.openxmlformats.org/presentationml/2006/main">
   <p:cSld>
     <p:spTree>
@@ -6109,7 +5806,184 @@
 </p:sld>
 </file>
 
-<file path=ppt/slides/slide21.xml><?xml version="1.0" encoding="utf-8"?>
+<file path=ppt/slides/slide2.xml><?xml version="1.0" encoding="utf-8"?>
+<p:sld xmlns:a="http://schemas.openxmlformats.org/drawingml/2006/main" xmlns:r="http://schemas.openxmlformats.org/officeDocument/2006/relationships" xmlns:p="http://schemas.openxmlformats.org/presentationml/2006/main">
+  <p:cSld>
+    <p:spTree>
+      <p:nvGrpSpPr>
+        <p:cNvPr id="1" name=""/>
+        <p:cNvGrpSpPr/>
+        <p:nvPr/>
+      </p:nvGrpSpPr>
+      <p:grpSpPr>
+        <a:xfrm>
+          <a:off x="0" y="0"/>
+          <a:ext cx="0" cy="0"/>
+          <a:chOff x="0" y="0"/>
+          <a:chExt cx="0" cy="0"/>
+        </a:xfrm>
+      </p:grpSpPr>
+      <p:sp>
+        <p:nvSpPr>
+          <p:cNvPr id="2" name="Title 1">
+            <a:extLst>
+              <a:ext uri="{FF2B5EF4-FFF2-40B4-BE49-F238E27FC236}">
+                <a16:creationId xmlns:a16="http://schemas.microsoft.com/office/drawing/2014/main" id="{3CDB0EB6-4913-4DD3-BB7A-847631DCBBA8}"/>
+              </a:ext>
+            </a:extLst>
+          </p:cNvPr>
+          <p:cNvSpPr>
+            <a:spLocks noGrp="1"/>
+          </p:cNvSpPr>
+          <p:nvPr>
+            <p:ph type="ctrTitle"/>
+          </p:nvPr>
+        </p:nvSpPr>
+        <p:spPr>
+          <a:xfrm>
+            <a:off x="0" y="0"/>
+            <a:ext cx="12192000" cy="553792"/>
+          </a:xfrm>
+        </p:spPr>
+        <p:txBody>
+          <a:bodyPr>
+            <a:normAutofit/>
+          </a:bodyPr>
+          <a:lstStyle/>
+          <a:p>
+            <a:pPr algn="l"/>
+            <a:r>
+              <a:rPr lang="en-US" sz="3200" dirty="0"/>
+              <a:t>Getting Started</a:t>
+            </a:r>
+            <a:endParaRPr lang="en-GB" sz="3200" dirty="0"/>
+          </a:p>
+        </p:txBody>
+      </p:sp>
+      <p:sp>
+        <p:nvSpPr>
+          <p:cNvPr id="3" name="Subtitle 2">
+            <a:extLst>
+              <a:ext uri="{FF2B5EF4-FFF2-40B4-BE49-F238E27FC236}">
+                <a16:creationId xmlns:a16="http://schemas.microsoft.com/office/drawing/2014/main" id="{E6F6E5A2-F201-4660-BB14-9DA3658CAD1F}"/>
+              </a:ext>
+            </a:extLst>
+          </p:cNvPr>
+          <p:cNvSpPr>
+            <a:spLocks noGrp="1"/>
+          </p:cNvSpPr>
+          <p:nvPr>
+            <p:ph type="subTitle" idx="1"/>
+          </p:nvPr>
+        </p:nvSpPr>
+        <p:spPr>
+          <a:xfrm>
+            <a:off x="0" y="553793"/>
+            <a:ext cx="12192000" cy="6130342"/>
+          </a:xfrm>
+        </p:spPr>
+        <p:txBody>
+          <a:bodyPr>
+            <a:normAutofit/>
+          </a:bodyPr>
+          <a:lstStyle/>
+          <a:p>
+            <a:pPr algn="l"/>
+            <a:r>
+              <a:rPr lang="en-US" u="sng" dirty="0"/>
+              <a:t>Account Creation</a:t>
+            </a:r>
+          </a:p>
+          <a:p>
+            <a:pPr marL="342900" indent="-342900" algn="l">
+              <a:buFont typeface="Arial" panose="020B0604020202020204" pitchFamily="34" charset="0"/>
+              <a:buChar char="•"/>
+            </a:pPr>
+            <a:r>
+              <a:rPr lang="en-US" sz="2000" dirty="0"/>
+              <a:t>Administrators will be pre-registered by the developers on the platform after which they will invite their desired agents to manage the site dashboard.</a:t>
+            </a:r>
+          </a:p>
+          <a:p>
+            <a:pPr marL="342900" indent="-342900" algn="l">
+              <a:buFont typeface="Arial" panose="020B0604020202020204" pitchFamily="34" charset="0"/>
+              <a:buChar char="•"/>
+            </a:pPr>
+            <a:r>
+              <a:rPr lang="en-US" sz="2000" dirty="0"/>
+              <a:t>tawk.to is an Agent Centric chat application, which means every agent has their own account and can share </a:t>
+            </a:r>
+            <a:r>
+              <a:rPr lang="en-US" sz="2000" b="1" dirty="0"/>
+              <a:t>Properties</a:t>
+            </a:r>
+            <a:r>
+              <a:rPr lang="en-US" sz="2000" dirty="0"/>
+              <a:t>.</a:t>
+            </a:r>
+          </a:p>
+          <a:p>
+            <a:pPr marL="342900" indent="-342900" algn="l">
+              <a:buFont typeface="Arial" panose="020B0604020202020204" pitchFamily="34" charset="0"/>
+              <a:buChar char="•"/>
+            </a:pPr>
+            <a:r>
+              <a:rPr lang="en-US" sz="2000" dirty="0"/>
+              <a:t>Currently there are two properties: </a:t>
+            </a:r>
+            <a:r>
+              <a:rPr lang="en-US" sz="2000" b="1" dirty="0"/>
+              <a:t>sites</a:t>
+            </a:r>
+            <a:r>
+              <a:rPr lang="en-US" sz="2000" dirty="0"/>
+              <a:t> and </a:t>
+            </a:r>
+            <a:r>
+              <a:rPr lang="en-US" sz="2000" b="1" dirty="0"/>
+              <a:t>pages.</a:t>
+            </a:r>
+          </a:p>
+          <a:p>
+            <a:pPr marL="800100" lvl="1" indent="-342900" algn="l">
+              <a:buFont typeface="Arial" panose="020B0604020202020204" pitchFamily="34" charset="0"/>
+              <a:buChar char="•"/>
+            </a:pPr>
+            <a:r>
+              <a:rPr lang="en-US" sz="1600" dirty="0"/>
+              <a:t>Sites – refer to websites where the chat widget is embedded</a:t>
+            </a:r>
+          </a:p>
+          <a:p>
+            <a:pPr marL="800100" lvl="1" indent="-342900" algn="l">
+              <a:buFont typeface="Arial" panose="020B0604020202020204" pitchFamily="34" charset="0"/>
+              <a:buChar char="•"/>
+            </a:pPr>
+            <a:r>
+              <a:rPr lang="en-US" sz="1600" dirty="0"/>
+              <a:t>Pages – refer to the tawk.to hosted pages e.g. https://apainsurance.org/commercial.php</a:t>
+            </a:r>
+          </a:p>
+          <a:p>
+            <a:pPr algn="l"/>
+            <a:endParaRPr lang="en-US" sz="2000" dirty="0"/>
+          </a:p>
+        </p:txBody>
+      </p:sp>
+    </p:spTree>
+    <p:extLst>
+      <p:ext uri="{BB962C8B-B14F-4D97-AF65-F5344CB8AC3E}">
+        <p14:creationId xmlns:p14="http://schemas.microsoft.com/office/powerpoint/2010/main" val="1052406901"/>
+      </p:ext>
+    </p:extLst>
+  </p:cSld>
+  <p:clrMapOvr>
+    <a:masterClrMapping/>
+  </p:clrMapOvr>
+</p:sld>
+</file>
+
+<file path=ppt/slides/slide20.xml><?xml version="1.0" encoding="utf-8"?>
 <p:sld xmlns:a="http://schemas.openxmlformats.org/drawingml/2006/main" xmlns:r="http://schemas.openxmlformats.org/officeDocument/2006/relationships" xmlns:p="http://schemas.openxmlformats.org/presentationml/2006/main">
   <p:cSld>
     <p:spTree>
@@ -6313,7 +6187,7 @@
 </p:sld>
 </file>
 
-<file path=ppt/slides/slide22.xml><?xml version="1.0" encoding="utf-8"?>
+<file path=ppt/slides/slide21.xml><?xml version="1.0" encoding="utf-8"?>
 <p:sld xmlns:a="http://schemas.openxmlformats.org/drawingml/2006/main" xmlns:r="http://schemas.openxmlformats.org/officeDocument/2006/relationships" xmlns:p="http://schemas.openxmlformats.org/presentationml/2006/main">
   <p:cSld>
     <p:spTree>
@@ -6564,7 +6438,7 @@
 </p:sld>
 </file>
 
-<file path=ppt/slides/slide23.xml><?xml version="1.0" encoding="utf-8"?>
+<file path=ppt/slides/slide22.xml><?xml version="1.0" encoding="utf-8"?>
 <p:sld xmlns:a="http://schemas.openxmlformats.org/drawingml/2006/main" xmlns:r="http://schemas.openxmlformats.org/officeDocument/2006/relationships" xmlns:p="http://schemas.openxmlformats.org/presentationml/2006/main">
   <p:cSld>
     <p:spTree>
@@ -6815,7 +6689,7 @@
 </p:sld>
 </file>
 
-<file path=ppt/slides/slide24.xml><?xml version="1.0" encoding="utf-8"?>
+<file path=ppt/slides/slide23.xml><?xml version="1.0" encoding="utf-8"?>
 <p:sld xmlns:a="http://schemas.openxmlformats.org/drawingml/2006/main" xmlns:r="http://schemas.openxmlformats.org/officeDocument/2006/relationships" xmlns:p="http://schemas.openxmlformats.org/presentationml/2006/main">
   <p:cSld>
     <p:spTree>
